--- a/Exoplanets/Exoplanets.pptx
+++ b/Exoplanets/Exoplanets.pptx
@@ -5924,7 +5924,16 @@
               <a:buNone/>
             </a:pPr>
             <a:r>
-              <a:t/>
+              <a:rPr lang="en">
+                <a:solidFill>
+                  <a:schemeClr val="dk1"/>
+                </a:solidFill>
+                <a:latin typeface="Times New Roman"/>
+                <a:ea typeface="Times New Roman"/>
+                <a:cs typeface="Times New Roman"/>
+                <a:sym typeface="Times New Roman"/>
+              </a:rPr>
+              <a:t>Sam Grobelny, Sacha Wible, Wentao Zhong</a:t>
             </a:r>
             <a:endParaRPr/>
           </a:p>
